--- a/EnhancedETLWorkflowwithPythonAWS/Presentation/Shalisri Kasturi V - Enhanced ETL Workflow with Python AWS (DE-WE-E-B2).pptx
+++ b/EnhancedETLWorkflowwithPythonAWS/Presentation/Shalisri Kasturi V - Enhanced ETL Workflow with Python AWS (DE-WE-E-B2).pptx
@@ -5,25 +5,26 @@
     <p:sldMasterId id="2147483648" r:id="rId1"/>
   </p:sldMasterIdLst>
   <p:notesMasterIdLst>
-    <p:notesMasterId r:id="rId15"/>
+    <p:notesMasterId r:id="rId16"/>
   </p:notesMasterIdLst>
   <p:handoutMasterIdLst>
-    <p:handoutMasterId r:id="rId16"/>
+    <p:handoutMasterId r:id="rId17"/>
   </p:handoutMasterIdLst>
   <p:sldIdLst>
     <p:sldId id="256" r:id="rId2"/>
     <p:sldId id="258" r:id="rId3"/>
     <p:sldId id="257" r:id="rId4"/>
     <p:sldId id="265" r:id="rId5"/>
-    <p:sldId id="267" r:id="rId6"/>
-    <p:sldId id="259" r:id="rId7"/>
-    <p:sldId id="261" r:id="rId8"/>
-    <p:sldId id="262" r:id="rId9"/>
-    <p:sldId id="268" r:id="rId10"/>
-    <p:sldId id="269" r:id="rId11"/>
-    <p:sldId id="270" r:id="rId12"/>
-    <p:sldId id="263" r:id="rId13"/>
-    <p:sldId id="264" r:id="rId14"/>
+    <p:sldId id="271" r:id="rId6"/>
+    <p:sldId id="267" r:id="rId7"/>
+    <p:sldId id="259" r:id="rId8"/>
+    <p:sldId id="261" r:id="rId9"/>
+    <p:sldId id="262" r:id="rId10"/>
+    <p:sldId id="268" r:id="rId11"/>
+    <p:sldId id="269" r:id="rId12"/>
+    <p:sldId id="270" r:id="rId13"/>
+    <p:sldId id="263" r:id="rId14"/>
+    <p:sldId id="264" r:id="rId15"/>
   </p:sldIdLst>
   <p:sldSz cx="12192000" cy="6858000"/>
   <p:notesSz cx="6858000" cy="9144000"/>
@@ -228,7 +229,7 @@
           <a:p>
             <a:fld id="{1987EB44-ACE7-472D-883B-9EB67D597441}" type="datetime1">
               <a:rPr lang="en-IN" smtClean="0"/>
-              <a:t>21-01-2025</a:t>
+              <a:t>22-01-2025</a:t>
             </a:fld>
             <a:endParaRPr lang="en-IN"/>
           </a:p>
@@ -414,7 +415,7 @@
           <a:p>
             <a:fld id="{4573D5C9-CBE3-4136-A50D-8DD5E64CBD69}" type="datetime1">
               <a:rPr lang="en-IN" smtClean="0"/>
-              <a:t>21-01-2025</a:t>
+              <a:t>22-01-2025</a:t>
             </a:fld>
             <a:endParaRPr lang="en-IN"/>
           </a:p>
@@ -826,7 +827,7 @@
           <a:p>
             <a:fld id="{BB649D39-5704-46C4-A175-75A954632FD4}" type="datetime1">
               <a:rPr lang="en-US" smtClean="0"/>
-              <a:t>1/21/2025</a:t>
+              <a:t>1/22/2025</a:t>
             </a:fld>
             <a:endParaRPr lang="en-US" dirty="0"/>
           </a:p>
@@ -1035,7 +1036,7 @@
           <a:p>
             <a:fld id="{6BF74789-2AB4-4996-9568-7C05985ED679}" type="datetime1">
               <a:rPr lang="en-US" smtClean="0"/>
-              <a:t>1/21/2025</a:t>
+              <a:t>1/22/2025</a:t>
             </a:fld>
             <a:endParaRPr lang="en-US" dirty="0"/>
           </a:p>
@@ -1248,7 +1249,7 @@
           <a:p>
             <a:fld id="{D7BE4E3B-AD8A-4B92-8A7B-28AF5A2C541A}" type="datetime1">
               <a:rPr lang="en-US" smtClean="0"/>
-              <a:t>1/21/2025</a:t>
+              <a:t>1/22/2025</a:t>
             </a:fld>
             <a:endParaRPr lang="en-US" dirty="0"/>
           </a:p>
@@ -1447,7 +1448,7 @@
           <a:p>
             <a:fld id="{BED3D744-FF75-461D-8DD7-3EBBE2D718D4}" type="datetime1">
               <a:rPr lang="en-US" smtClean="0"/>
-              <a:t>1/21/2025</a:t>
+              <a:t>1/22/2025</a:t>
             </a:fld>
             <a:endParaRPr lang="en-US" dirty="0"/>
           </a:p>
@@ -1724,7 +1725,7 @@
           <a:p>
             <a:fld id="{7371DE4A-EA87-43AB-AC54-1DF97E7196B0}" type="datetime1">
               <a:rPr lang="en-US" smtClean="0"/>
-              <a:t>1/21/2025</a:t>
+              <a:t>1/22/2025</a:t>
             </a:fld>
             <a:endParaRPr lang="en-US" dirty="0"/>
           </a:p>
@@ -1990,7 +1991,7 @@
           <a:p>
             <a:fld id="{A55EF514-28A9-49BC-B837-5B19B3C9F864}" type="datetime1">
               <a:rPr lang="en-US" smtClean="0"/>
-              <a:t>1/21/2025</a:t>
+              <a:t>1/22/2025</a:t>
             </a:fld>
             <a:endParaRPr lang="en-US" dirty="0"/>
           </a:p>
@@ -2404,7 +2405,7 @@
           <a:p>
             <a:fld id="{51676EFB-2E30-4EAB-BFE3-BC555352ECA9}" type="datetime1">
               <a:rPr lang="en-US" smtClean="0"/>
-              <a:t>1/21/2025</a:t>
+              <a:t>1/22/2025</a:t>
             </a:fld>
             <a:endParaRPr lang="en-US" dirty="0"/>
           </a:p>
@@ -2551,7 +2552,7 @@
           <a:p>
             <a:fld id="{441D3359-5C4A-4D98-BF31-F180E7F9394E}" type="datetime1">
               <a:rPr lang="en-US" smtClean="0"/>
-              <a:t>1/21/2025</a:t>
+              <a:t>1/22/2025</a:t>
             </a:fld>
             <a:endParaRPr lang="en-US" dirty="0"/>
           </a:p>
@@ -2675,7 +2676,7 @@
           <a:p>
             <a:fld id="{9614499A-39F2-4C81-8D60-C594F207C12D}" type="datetime1">
               <a:rPr lang="en-US" smtClean="0"/>
-              <a:t>1/21/2025</a:t>
+              <a:t>1/22/2025</a:t>
             </a:fld>
             <a:endParaRPr lang="en-US" dirty="0"/>
           </a:p>
@@ -2924,7 +2925,7 @@
           <a:p>
             <a:fld id="{0444DACA-3B4A-4B29-89F2-A5113B29ED5C}" type="datetime1">
               <a:rPr lang="en-US" smtClean="0"/>
-              <a:t>1/21/2025</a:t>
+              <a:t>1/22/2025</a:t>
             </a:fld>
             <a:endParaRPr lang="en-US" dirty="0"/>
           </a:p>
@@ -3367,7 +3368,7 @@
           <a:p>
             <a:fld id="{852ED7DB-A93C-4EEE-9E46-DDFDDB41F835}" type="datetime1">
               <a:rPr lang="en-US" smtClean="0"/>
-              <a:t>1/21/2025</a:t>
+              <a:t>1/22/2025</a:t>
             </a:fld>
             <a:endParaRPr lang="en-US" dirty="0"/>
           </a:p>
@@ -3692,7 +3693,7 @@
           <a:p>
             <a:fld id="{D1ED3533-2A1F-4D2D-A64F-73EBAF5D3B34}" type="datetime1">
               <a:rPr lang="en-US" smtClean="0"/>
-              <a:t>1/21/2025</a:t>
+              <a:t>1/22/2025</a:t>
             </a:fld>
             <a:endParaRPr lang="en-US" dirty="0"/>
           </a:p>
@@ -4316,7 +4317,7 @@
           <a:p>
             <a:fld id="{A9506EFB-683A-44CE-A287-DF8B9D47ED1B}" type="datetime1">
               <a:rPr lang="en-US" smtClean="0"/>
-              <a:t>1/21/2025</a:t>
+              <a:t>1/22/2025</a:t>
             </a:fld>
             <a:endParaRPr lang="en-US" dirty="0"/>
           </a:p>
@@ -4385,7 +4386,7 @@
           <p:cNvPr id="2" name="Title 1">
             <a:extLst>
               <a:ext uri="{FF2B5EF4-FFF2-40B4-BE49-F238E27FC236}">
-                <a16:creationId xmlns:a16="http://schemas.microsoft.com/office/drawing/2014/main" id="{7C54AE64-E4E7-AA96-36E5-680B96D2B8F0}"/>
+                <a16:creationId xmlns:a16="http://schemas.microsoft.com/office/drawing/2014/main" id="{8DCB8B84-4A02-36F0-CFB9-8C9E9F6FD749}"/>
               </a:ext>
             </a:extLst>
           </p:cNvPr>
@@ -4407,7 +4408,7 @@
               <a:rPr lang="en-IN" sz="3600" dirty="0">
                 <a:latin typeface="Algerian" panose="04020705040A02060702" pitchFamily="82" charset="0"/>
               </a:rPr>
-              <a:t>RDS</a:t>
+              <a:t>UPLOAD TRANFORMED FILE TO S3</a:t>
             </a:r>
           </a:p>
         </p:txBody>
@@ -4417,7 +4418,7 @@
           <p:cNvPr id="3" name="Content Placeholder 2">
             <a:extLst>
               <a:ext uri="{FF2B5EF4-FFF2-40B4-BE49-F238E27FC236}">
-                <a16:creationId xmlns:a16="http://schemas.microsoft.com/office/drawing/2014/main" id="{8039BF40-2315-4B7A-2BC4-0E1C0F2DEBC9}"/>
+                <a16:creationId xmlns:a16="http://schemas.microsoft.com/office/drawing/2014/main" id="{F9D69F2A-A3AF-D520-A350-47A9992DF464}"/>
               </a:ext>
             </a:extLst>
           </p:cNvPr>
@@ -4435,35 +4436,14 @@
           <a:p>
             <a:r>
               <a:rPr lang="en-IN" dirty="0"/>
-              <a:t>Check if the RDS DB instance is already present, else create a new one.</a:t>
+              <a:t>Check whether the transform folder is present in the S3 bucket to upload the transformed file, else create a new one.</a:t>
             </a:r>
           </a:p>
           <a:p>
             <a:r>
               <a:rPr lang="en-IN" dirty="0"/>
-              <a:t>Modify the security groups to allow access from local machine.</a:t>
-            </a:r>
-          </a:p>
-          <a:p>
-            <a:endParaRPr lang="en-IN" dirty="0"/>
-          </a:p>
-          <a:p>
-            <a:endParaRPr lang="en-IN" dirty="0"/>
-          </a:p>
-          <a:p>
-            <a:endParaRPr lang="en-IN" dirty="0"/>
-          </a:p>
-          <a:p>
-            <a:endParaRPr lang="en-IN" dirty="0"/>
-          </a:p>
-          <a:p>
-            <a:r>
-              <a:rPr lang="en-IN" dirty="0"/>
-              <a:t>Check whether the RDS DB is accessible from MySQL Workbench.</a:t>
-            </a:r>
-          </a:p>
-          <a:p>
-            <a:endParaRPr lang="en-IN" dirty="0"/>
+              <a:t>Upload the transformed file to the transform folder in the S3 bucket.</a:t>
+            </a:r>
           </a:p>
         </p:txBody>
       </p:sp>
@@ -4472,7 +4452,7 @@
           <p:cNvPr id="4" name="Date Placeholder 3">
             <a:extLst>
               <a:ext uri="{FF2B5EF4-FFF2-40B4-BE49-F238E27FC236}">
-                <a16:creationId xmlns:a16="http://schemas.microsoft.com/office/drawing/2014/main" id="{C22A6FBF-8D3E-8A6F-37A1-7717233E1B3D}"/>
+                <a16:creationId xmlns:a16="http://schemas.microsoft.com/office/drawing/2014/main" id="{B4C8D4FC-8670-58E1-74A9-7024100DE7CD}"/>
               </a:ext>
             </a:extLst>
           </p:cNvPr>
@@ -4490,7 +4470,7 @@
           <a:p>
             <a:fld id="{BED3D744-FF75-461D-8DD7-3EBBE2D718D4}" type="datetime1">
               <a:rPr lang="en-US" smtClean="0"/>
-              <a:t>1/21/2025</a:t>
+              <a:t>1/22/2025</a:t>
             </a:fld>
             <a:endParaRPr lang="en-US" dirty="0"/>
           </a:p>
@@ -4501,7 +4481,7 @@
           <p:cNvPr id="5" name="Footer Placeholder 4">
             <a:extLst>
               <a:ext uri="{FF2B5EF4-FFF2-40B4-BE49-F238E27FC236}">
-                <a16:creationId xmlns:a16="http://schemas.microsoft.com/office/drawing/2014/main" id="{C6BD31B8-3E3A-46F2-A061-F17C632344D5}"/>
+                <a16:creationId xmlns:a16="http://schemas.microsoft.com/office/drawing/2014/main" id="{CACC6941-5329-6E5E-5C64-CAB99EEEB2C6}"/>
               </a:ext>
             </a:extLst>
           </p:cNvPr>
@@ -4525,40 +4505,10 @@
           </a:p>
         </p:txBody>
       </p:sp>
-      <p:pic>
-        <p:nvPicPr>
-          <p:cNvPr id="6" name="Content Placeholder 6">
-            <a:extLst>
-              <a:ext uri="{FF2B5EF4-FFF2-40B4-BE49-F238E27FC236}">
-                <a16:creationId xmlns:a16="http://schemas.microsoft.com/office/drawing/2014/main" id="{F1976375-5239-E18F-EB7B-C9EACE7FAAC3}"/>
-              </a:ext>
-            </a:extLst>
-          </p:cNvPr>
-          <p:cNvPicPr>
-            <a:picLocks noChangeAspect="1"/>
-          </p:cNvPicPr>
-          <p:nvPr/>
-        </p:nvPicPr>
-        <p:blipFill>
-          <a:blip r:embed="rId2"/>
-          <a:stretch>
-            <a:fillRect/>
-          </a:stretch>
-        </p:blipFill>
-        <p:spPr>
-          <a:xfrm>
-            <a:off x="1670383" y="2969342"/>
-            <a:ext cx="9384470" cy="2113936"/>
-          </a:xfrm>
-          <a:prstGeom prst="rect">
-            <a:avLst/>
-          </a:prstGeom>
-        </p:spPr>
-      </p:pic>
     </p:spTree>
     <p:extLst>
       <p:ext uri="{BB962C8B-B14F-4D97-AF65-F5344CB8AC3E}">
-        <p14:creationId xmlns:p14="http://schemas.microsoft.com/office/powerpoint/2010/main" val="3020462304"/>
+        <p14:creationId xmlns:p14="http://schemas.microsoft.com/office/powerpoint/2010/main" val="188448548"/>
       </p:ext>
     </p:extLst>
   </p:cSld>
@@ -4590,7 +4540,7 @@
           <p:cNvPr id="2" name="Title 1">
             <a:extLst>
               <a:ext uri="{FF2B5EF4-FFF2-40B4-BE49-F238E27FC236}">
-                <a16:creationId xmlns:a16="http://schemas.microsoft.com/office/drawing/2014/main" id="{7D645E1E-C9ED-A13C-6496-FD73363CF678}"/>
+                <a16:creationId xmlns:a16="http://schemas.microsoft.com/office/drawing/2014/main" id="{7C54AE64-E4E7-AA96-36E5-680B96D2B8F0}"/>
               </a:ext>
             </a:extLst>
           </p:cNvPr>
@@ -4612,7 +4562,7 @@
               <a:rPr lang="en-IN" sz="3600" dirty="0">
                 <a:latin typeface="Algerian" panose="04020705040A02060702" pitchFamily="82" charset="0"/>
               </a:rPr>
-              <a:t>LOAD TRANSFORMED FILE DATA TO RDS</a:t>
+              <a:t>RDS</a:t>
             </a:r>
           </a:p>
         </p:txBody>
@@ -4622,7 +4572,7 @@
           <p:cNvPr id="3" name="Content Placeholder 2">
             <a:extLst>
               <a:ext uri="{FF2B5EF4-FFF2-40B4-BE49-F238E27FC236}">
-                <a16:creationId xmlns:a16="http://schemas.microsoft.com/office/drawing/2014/main" id="{EA73A651-77CB-8CD7-A178-F9FEE94DC02B}"/>
+                <a16:creationId xmlns:a16="http://schemas.microsoft.com/office/drawing/2014/main" id="{8039BF40-2315-4B7A-2BC4-0E1C0F2DEBC9}"/>
               </a:ext>
             </a:extLst>
           </p:cNvPr>
@@ -4636,88 +4586,47 @@
         <p:spPr/>
         <p:txBody>
           <a:bodyPr>
-            <a:normAutofit fontScale="92500" lnSpcReduction="20000"/>
+            <a:noAutofit/>
           </a:bodyPr>
           <a:lstStyle/>
           <a:p>
             <a:r>
-              <a:rPr lang="en-IN" dirty="0"/>
-              <a:t>Get the endpoint name, port from the RDS DB instance.</a:t>
-            </a:r>
-          </a:p>
-          <a:p>
-            <a:r>
-              <a:rPr lang="en-IN" dirty="0"/>
-              <a:t>Get the transformed file from S3 bucket and convert it into a </a:t>
-            </a:r>
-            <a:r>
-              <a:rPr lang="en-IN" dirty="0" err="1"/>
-              <a:t>dataframe</a:t>
-            </a:r>
-            <a:r>
-              <a:rPr lang="en-IN" dirty="0"/>
-              <a:t>.</a:t>
-            </a:r>
-          </a:p>
-          <a:p>
-            <a:r>
-              <a:rPr lang="en-IN" dirty="0"/>
-              <a:t>Enable RDS MySQL connection using </a:t>
-            </a:r>
-            <a:r>
-              <a:rPr lang="en-IN" dirty="0" err="1"/>
-              <a:t>pymysql</a:t>
-            </a:r>
-            <a:r>
-              <a:rPr lang="en-IN" dirty="0"/>
-              <a:t>.</a:t>
-            </a:r>
-          </a:p>
-          <a:p>
-            <a:r>
-              <a:rPr lang="en-IN" dirty="0"/>
-              <a:t>Create DDL for creating table.</a:t>
-            </a:r>
-          </a:p>
-          <a:p>
-            <a:r>
-              <a:rPr lang="en-IN" dirty="0"/>
-              <a:t>Execute the DDL and commit it.</a:t>
-            </a:r>
-          </a:p>
-          <a:p>
-            <a:r>
-              <a:rPr lang="en-IN" dirty="0"/>
-              <a:t>Create a </a:t>
-            </a:r>
-            <a:r>
-              <a:rPr lang="en-IN" dirty="0" err="1"/>
-              <a:t>mysql</a:t>
-            </a:r>
-            <a:r>
-              <a:rPr lang="en-IN" dirty="0"/>
-              <a:t> engine to insert data to MySQL RDS DB using </a:t>
-            </a:r>
-            <a:r>
-              <a:rPr lang="en-IN" dirty="0" err="1"/>
-              <a:t>to_sql</a:t>
-            </a:r>
-            <a:r>
-              <a:rPr lang="en-IN" dirty="0"/>
-              <a:t>.</a:t>
-            </a:r>
-          </a:p>
-          <a:p>
-            <a:r>
-              <a:rPr lang="en-IN" dirty="0"/>
-              <a:t>Check the data loaded.</a:t>
-            </a:r>
-          </a:p>
-          <a:p>
-            <a:r>
-              <a:rPr lang="en-IN" dirty="0"/>
-              <a:t>Validate whether the data in the data frame is matching with the data from the table.</a:t>
-            </a:r>
+              <a:rPr lang="en-IN" sz="1800" dirty="0"/>
+              <a:t>Establish the AWS RDS client connection using the boto3.client.</a:t>
+            </a:r>
+          </a:p>
+          <a:p>
+            <a:r>
+              <a:rPr lang="en-IN" sz="1800" dirty="0"/>
+              <a:t>Check if the RDS DB instance is already present, else create a new one.</a:t>
+            </a:r>
+          </a:p>
+          <a:p>
+            <a:r>
+              <a:rPr lang="en-IN" sz="1800" dirty="0"/>
+              <a:t>Modify the security groups to allow access from local machine – MySQL Workbench.</a:t>
+            </a:r>
+          </a:p>
+          <a:p>
+            <a:endParaRPr lang="en-IN" sz="1800" dirty="0"/>
+          </a:p>
+          <a:p>
+            <a:endParaRPr lang="en-IN" sz="1800" dirty="0"/>
+          </a:p>
+          <a:p>
+            <a:endParaRPr lang="en-IN" sz="1800" dirty="0"/>
+          </a:p>
+          <a:p>
+            <a:endParaRPr lang="en-IN" sz="1800" dirty="0"/>
+          </a:p>
+          <a:p>
+            <a:r>
+              <a:rPr lang="en-IN" sz="1800" dirty="0"/>
+              <a:t>Check whether the RDS DB is accessible from MySQL Workbench.</a:t>
+            </a:r>
+          </a:p>
+          <a:p>
+            <a:endParaRPr lang="en-IN" sz="1800" dirty="0"/>
           </a:p>
         </p:txBody>
       </p:sp>
@@ -4726,7 +4635,7 @@
           <p:cNvPr id="4" name="Date Placeholder 3">
             <a:extLst>
               <a:ext uri="{FF2B5EF4-FFF2-40B4-BE49-F238E27FC236}">
-                <a16:creationId xmlns:a16="http://schemas.microsoft.com/office/drawing/2014/main" id="{3AEE23B0-9E91-0B1F-E32F-75C9E047BB1F}"/>
+                <a16:creationId xmlns:a16="http://schemas.microsoft.com/office/drawing/2014/main" id="{C22A6FBF-8D3E-8A6F-37A1-7717233E1B3D}"/>
               </a:ext>
             </a:extLst>
           </p:cNvPr>
@@ -4744,7 +4653,7 @@
           <a:p>
             <a:fld id="{BED3D744-FF75-461D-8DD7-3EBBE2D718D4}" type="datetime1">
               <a:rPr lang="en-US" smtClean="0"/>
-              <a:t>1/21/2025</a:t>
+              <a:t>1/22/2025</a:t>
             </a:fld>
             <a:endParaRPr lang="en-US" dirty="0"/>
           </a:p>
@@ -4755,7 +4664,7 @@
           <p:cNvPr id="5" name="Footer Placeholder 4">
             <a:extLst>
               <a:ext uri="{FF2B5EF4-FFF2-40B4-BE49-F238E27FC236}">
-                <a16:creationId xmlns:a16="http://schemas.microsoft.com/office/drawing/2014/main" id="{F859E4C1-083A-4C94-FE4D-E1FD0C5A15D7}"/>
+                <a16:creationId xmlns:a16="http://schemas.microsoft.com/office/drawing/2014/main" id="{C6BD31B8-3E3A-46F2-A061-F17C632344D5}"/>
               </a:ext>
             </a:extLst>
           </p:cNvPr>
@@ -4779,10 +4688,40 @@
           </a:p>
         </p:txBody>
       </p:sp>
+      <p:pic>
+        <p:nvPicPr>
+          <p:cNvPr id="6" name="Content Placeholder 6">
+            <a:extLst>
+              <a:ext uri="{FF2B5EF4-FFF2-40B4-BE49-F238E27FC236}">
+                <a16:creationId xmlns:a16="http://schemas.microsoft.com/office/drawing/2014/main" id="{F1976375-5239-E18F-EB7B-C9EACE7FAAC3}"/>
+              </a:ext>
+            </a:extLst>
+          </p:cNvPr>
+          <p:cNvPicPr>
+            <a:picLocks noChangeAspect="1"/>
+          </p:cNvPicPr>
+          <p:nvPr/>
+        </p:nvPicPr>
+        <p:blipFill>
+          <a:blip r:embed="rId2"/>
+          <a:stretch>
+            <a:fillRect/>
+          </a:stretch>
+        </p:blipFill>
+        <p:spPr>
+          <a:xfrm>
+            <a:off x="1560981" y="3313473"/>
+            <a:ext cx="9384470" cy="1848464"/>
+          </a:xfrm>
+          <a:prstGeom prst="rect">
+            <a:avLst/>
+          </a:prstGeom>
+        </p:spPr>
+      </p:pic>
     </p:spTree>
     <p:extLst>
       <p:ext uri="{BB962C8B-B14F-4D97-AF65-F5344CB8AC3E}">
-        <p14:creationId xmlns:p14="http://schemas.microsoft.com/office/powerpoint/2010/main" val="3196122399"/>
+        <p14:creationId xmlns:p14="http://schemas.microsoft.com/office/powerpoint/2010/main" val="3020462304"/>
       </p:ext>
     </p:extLst>
   </p:cSld>
@@ -4814,7 +4753,7 @@
           <p:cNvPr id="2" name="Title 1">
             <a:extLst>
               <a:ext uri="{FF2B5EF4-FFF2-40B4-BE49-F238E27FC236}">
-                <a16:creationId xmlns:a16="http://schemas.microsoft.com/office/drawing/2014/main" id="{912AE44F-5402-9522-69FE-33D19EB9DBA9}"/>
+                <a16:creationId xmlns:a16="http://schemas.microsoft.com/office/drawing/2014/main" id="{7D645E1E-C9ED-A13C-6496-FD73363CF678}"/>
               </a:ext>
             </a:extLst>
           </p:cNvPr>
@@ -4827,14 +4766,16 @@
         </p:nvSpPr>
         <p:spPr/>
         <p:txBody>
-          <a:bodyPr/>
-          <a:lstStyle/>
-          <a:p>
-            <a:r>
-              <a:rPr lang="en-IN" dirty="0">
+          <a:bodyPr>
+            <a:normAutofit/>
+          </a:bodyPr>
+          <a:lstStyle/>
+          <a:p>
+            <a:r>
+              <a:rPr lang="en-IN" sz="3600" dirty="0">
                 <a:latin typeface="Algerian" panose="04020705040A02060702" pitchFamily="82" charset="0"/>
               </a:rPr>
-              <a:t>logging</a:t>
+              <a:t>LOAD TRANSFORMED FILE DATA TO RDS</a:t>
             </a:r>
           </a:p>
         </p:txBody>
@@ -4844,7 +4785,7 @@
           <p:cNvPr id="3" name="Content Placeholder 2">
             <a:extLst>
               <a:ext uri="{FF2B5EF4-FFF2-40B4-BE49-F238E27FC236}">
-                <a16:creationId xmlns:a16="http://schemas.microsoft.com/office/drawing/2014/main" id="{EF83D191-1FB4-A24D-41CC-DABED25170E0}"/>
+                <a16:creationId xmlns:a16="http://schemas.microsoft.com/office/drawing/2014/main" id="{EA73A651-77CB-8CD7-A178-F9FEE94DC02B}"/>
               </a:ext>
             </a:extLst>
           </p:cNvPr>
@@ -4855,44 +4796,125 @@
             <p:ph idx="1"/>
           </p:nvPr>
         </p:nvSpPr>
-        <p:spPr/>
-        <p:txBody>
-          <a:bodyPr/>
+        <p:spPr>
+          <a:xfrm>
+            <a:off x="1451579" y="2015732"/>
+            <a:ext cx="9603275" cy="4037749"/>
+          </a:xfrm>
+        </p:spPr>
+        <p:txBody>
+          <a:bodyPr>
+            <a:normAutofit fontScale="85000" lnSpcReduction="10000"/>
+          </a:bodyPr>
           <a:lstStyle/>
           <a:p>
             <a:r>
               <a:rPr lang="en-IN" dirty="0"/>
-              <a:t>Logging is enabled for each phase – extraction, transformation and loading.</a:t>
+              <a:t>Get the endpoint name, port from the RDS DB instance.</a:t>
             </a:r>
           </a:p>
           <a:p>
             <a:r>
               <a:rPr lang="en-IN" dirty="0"/>
-              <a:t>Start time is captured at the time of phase starting.</a:t>
-            </a:r>
-          </a:p>
-          <a:p>
+              <a:t>Get the transformed file from S3 bucket and convert it into a </a:t>
+            </a:r>
+            <a:r>
+              <a:rPr lang="en-IN" dirty="0" err="1"/>
+              <a:t>dataframe</a:t>
+            </a:r>
             <a:r>
               <a:rPr lang="en-IN" dirty="0"/>
-              <a:t>End time is captured at the time of phase ending.</a:t>
-            </a:r>
-          </a:p>
-          <a:p>
+              <a:t> by using ‘</a:t>
+            </a:r>
+            <a:r>
+              <a:rPr lang="en-IN" b="1" dirty="0" err="1"/>
+              <a:t>read_csv</a:t>
+            </a:r>
             <a:r>
               <a:rPr lang="en-IN" dirty="0"/>
-              <a:t>Elapsed time is captured by calculating the difference between start time and end time and the same is logged in the log file (log_file.txt).</a:t>
+              <a:t>’ in pandas.</a:t>
             </a:r>
           </a:p>
           <a:p>
             <a:r>
               <a:rPr lang="en-IN" dirty="0"/>
-              <a:t>Check if there is a log folder, else create one.</a:t>
-            </a:r>
-          </a:p>
-          <a:p>
+              <a:t>Enable RDS MySQL connection using ‘</a:t>
+            </a:r>
+            <a:r>
+              <a:rPr lang="en-IN" b="1" dirty="0" err="1"/>
+              <a:t>pymysql</a:t>
+            </a:r>
             <a:r>
               <a:rPr lang="en-IN" dirty="0"/>
-              <a:t>Upload the log file to S3 bucket folder.</a:t>
+              <a:t>’.</a:t>
+            </a:r>
+          </a:p>
+          <a:p>
+            <a:r>
+              <a:rPr lang="en-IN" dirty="0"/>
+              <a:t>Create DDL for creating table (</a:t>
+            </a:r>
+            <a:r>
+              <a:rPr lang="en-IN" dirty="0" err="1"/>
+              <a:t>height_weight</a:t>
+            </a:r>
+            <a:r>
+              <a:rPr lang="en-IN" dirty="0"/>
+              <a:t>) for the transformed data.</a:t>
+            </a:r>
+          </a:p>
+          <a:p>
+            <a:r>
+              <a:rPr lang="en-IN" dirty="0"/>
+              <a:t>Execute the DDL and commit it.</a:t>
+            </a:r>
+          </a:p>
+          <a:p>
+            <a:r>
+              <a:rPr lang="en-IN" dirty="0"/>
+              <a:t>Create a </a:t>
+            </a:r>
+            <a:r>
+              <a:rPr lang="en-IN" dirty="0" err="1"/>
+              <a:t>mysql</a:t>
+            </a:r>
+            <a:r>
+              <a:rPr lang="en-IN" dirty="0"/>
+              <a:t> engine connection using ‘</a:t>
+            </a:r>
+            <a:r>
+              <a:rPr lang="en-IN" b="1" dirty="0" err="1"/>
+              <a:t>create_engine</a:t>
+            </a:r>
+            <a:r>
+              <a:rPr lang="en-IN" dirty="0"/>
+              <a:t>’ to insert data to MySQL RDS DB using ‘</a:t>
+            </a:r>
+            <a:r>
+              <a:rPr lang="en-IN" b="1" dirty="0" err="1"/>
+              <a:t>to_sql</a:t>
+            </a:r>
+            <a:r>
+              <a:rPr lang="en-IN" dirty="0"/>
+              <a:t>’ and commit it.</a:t>
+            </a:r>
+          </a:p>
+          <a:p>
+            <a:r>
+              <a:rPr lang="en-IN" dirty="0"/>
+              <a:t>Check the data loaded by fetching the count from the table.</a:t>
+            </a:r>
+          </a:p>
+          <a:p>
+            <a:r>
+              <a:rPr lang="en-IN" dirty="0"/>
+              <a:t>Validate whether the data in the data frame is matching with the data from the table.</a:t>
+            </a:r>
+          </a:p>
+          <a:p>
+            <a:r>
+              <a:rPr lang="en-IN" dirty="0"/>
+              <a:t>Check in MySQL Workbench if the data is loaded.</a:t>
             </a:r>
           </a:p>
         </p:txBody>
@@ -4902,7 +4924,7 @@
           <p:cNvPr id="4" name="Date Placeholder 3">
             <a:extLst>
               <a:ext uri="{FF2B5EF4-FFF2-40B4-BE49-F238E27FC236}">
-                <a16:creationId xmlns:a16="http://schemas.microsoft.com/office/drawing/2014/main" id="{6485295A-F14B-45F3-C508-66A75724FE32}"/>
+                <a16:creationId xmlns:a16="http://schemas.microsoft.com/office/drawing/2014/main" id="{3AEE23B0-9E91-0B1F-E32F-75C9E047BB1F}"/>
               </a:ext>
             </a:extLst>
           </p:cNvPr>
@@ -4918,9 +4940,9 @@
           <a:bodyPr/>
           <a:lstStyle/>
           <a:p>
-            <a:fld id="{1939313E-8634-426E-AE99-653F0E50B562}" type="datetime1">
+            <a:fld id="{BED3D744-FF75-461D-8DD7-3EBBE2D718D4}" type="datetime1">
               <a:rPr lang="en-US" smtClean="0"/>
-              <a:t>1/21/2025</a:t>
+              <a:t>1/22/2025</a:t>
             </a:fld>
             <a:endParaRPr lang="en-US" dirty="0"/>
           </a:p>
@@ -4931,7 +4953,7 @@
           <p:cNvPr id="5" name="Footer Placeholder 4">
             <a:extLst>
               <a:ext uri="{FF2B5EF4-FFF2-40B4-BE49-F238E27FC236}">
-                <a16:creationId xmlns:a16="http://schemas.microsoft.com/office/drawing/2014/main" id="{696FE847-EEA0-8A59-7E4B-56D2F997563E}"/>
+                <a16:creationId xmlns:a16="http://schemas.microsoft.com/office/drawing/2014/main" id="{F859E4C1-083A-4C94-FE4D-E1FD0C5A15D7}"/>
               </a:ext>
             </a:extLst>
           </p:cNvPr>
@@ -4948,16 +4970,17 @@
           <a:lstStyle/>
           <a:p>
             <a:r>
-              <a:rPr lang="en-US" dirty="0"/>
+              <a:rPr lang="en-US"/>
               <a:t>Presented by V Shalisri Kasturi</a:t>
             </a:r>
+            <a:endParaRPr lang="en-US" dirty="0"/>
           </a:p>
         </p:txBody>
       </p:sp>
     </p:spTree>
     <p:extLst>
       <p:ext uri="{BB962C8B-B14F-4D97-AF65-F5344CB8AC3E}">
-        <p14:creationId xmlns:p14="http://schemas.microsoft.com/office/powerpoint/2010/main" val="2421401937"/>
+        <p14:creationId xmlns:p14="http://schemas.microsoft.com/office/powerpoint/2010/main" val="3196122399"/>
       </p:ext>
     </p:extLst>
   </p:cSld>
@@ -4989,6 +5012,181 @@
           <p:cNvPr id="2" name="Title 1">
             <a:extLst>
               <a:ext uri="{FF2B5EF4-FFF2-40B4-BE49-F238E27FC236}">
+                <a16:creationId xmlns:a16="http://schemas.microsoft.com/office/drawing/2014/main" id="{912AE44F-5402-9522-69FE-33D19EB9DBA9}"/>
+              </a:ext>
+            </a:extLst>
+          </p:cNvPr>
+          <p:cNvSpPr>
+            <a:spLocks noGrp="1"/>
+          </p:cNvSpPr>
+          <p:nvPr>
+            <p:ph type="title"/>
+          </p:nvPr>
+        </p:nvSpPr>
+        <p:spPr/>
+        <p:txBody>
+          <a:bodyPr/>
+          <a:lstStyle/>
+          <a:p>
+            <a:r>
+              <a:rPr lang="en-IN" dirty="0">
+                <a:latin typeface="Algerian" panose="04020705040A02060702" pitchFamily="82" charset="0"/>
+              </a:rPr>
+              <a:t>logging</a:t>
+            </a:r>
+          </a:p>
+        </p:txBody>
+      </p:sp>
+      <p:sp>
+        <p:nvSpPr>
+          <p:cNvPr id="3" name="Content Placeholder 2">
+            <a:extLst>
+              <a:ext uri="{FF2B5EF4-FFF2-40B4-BE49-F238E27FC236}">
+                <a16:creationId xmlns:a16="http://schemas.microsoft.com/office/drawing/2014/main" id="{EF83D191-1FB4-A24D-41CC-DABED25170E0}"/>
+              </a:ext>
+            </a:extLst>
+          </p:cNvPr>
+          <p:cNvSpPr>
+            <a:spLocks noGrp="1"/>
+          </p:cNvSpPr>
+          <p:nvPr>
+            <p:ph idx="1"/>
+          </p:nvPr>
+        </p:nvSpPr>
+        <p:spPr/>
+        <p:txBody>
+          <a:bodyPr/>
+          <a:lstStyle/>
+          <a:p>
+            <a:r>
+              <a:rPr lang="en-IN" dirty="0"/>
+              <a:t>Logging is enabled for each and every activity happening in the ETL process.</a:t>
+            </a:r>
+          </a:p>
+          <a:p>
+            <a:r>
+              <a:rPr lang="en-IN" dirty="0"/>
+              <a:t>Start time is captured at the time of phase starting.</a:t>
+            </a:r>
+          </a:p>
+          <a:p>
+            <a:r>
+              <a:rPr lang="en-IN" dirty="0"/>
+              <a:t>End time is captured at the time of phase ending.</a:t>
+            </a:r>
+          </a:p>
+          <a:p>
+            <a:r>
+              <a:rPr lang="en-IN" dirty="0"/>
+              <a:t>Elapsed time is captured by calculating the difference between start time and end time and the same is logged in the log file (log_file.txt).</a:t>
+            </a:r>
+          </a:p>
+          <a:p>
+            <a:r>
+              <a:rPr lang="en-IN" dirty="0"/>
+              <a:t>Check if there is a log folder already in the S3 bucket, else create one.</a:t>
+            </a:r>
+          </a:p>
+          <a:p>
+            <a:r>
+              <a:rPr lang="en-IN" dirty="0"/>
+              <a:t>Upload the log file to S3 bucket log folder.</a:t>
+            </a:r>
+          </a:p>
+        </p:txBody>
+      </p:sp>
+      <p:sp>
+        <p:nvSpPr>
+          <p:cNvPr id="4" name="Date Placeholder 3">
+            <a:extLst>
+              <a:ext uri="{FF2B5EF4-FFF2-40B4-BE49-F238E27FC236}">
+                <a16:creationId xmlns:a16="http://schemas.microsoft.com/office/drawing/2014/main" id="{6485295A-F14B-45F3-C508-66A75724FE32}"/>
+              </a:ext>
+            </a:extLst>
+          </p:cNvPr>
+          <p:cNvSpPr>
+            <a:spLocks noGrp="1"/>
+          </p:cNvSpPr>
+          <p:nvPr>
+            <p:ph type="dt" sz="half" idx="10"/>
+          </p:nvPr>
+        </p:nvSpPr>
+        <p:spPr/>
+        <p:txBody>
+          <a:bodyPr/>
+          <a:lstStyle/>
+          <a:p>
+            <a:fld id="{1939313E-8634-426E-AE99-653F0E50B562}" type="datetime1">
+              <a:rPr lang="en-US" smtClean="0"/>
+              <a:t>1/22/2025</a:t>
+            </a:fld>
+            <a:endParaRPr lang="en-US" dirty="0"/>
+          </a:p>
+        </p:txBody>
+      </p:sp>
+      <p:sp>
+        <p:nvSpPr>
+          <p:cNvPr id="5" name="Footer Placeholder 4">
+            <a:extLst>
+              <a:ext uri="{FF2B5EF4-FFF2-40B4-BE49-F238E27FC236}">
+                <a16:creationId xmlns:a16="http://schemas.microsoft.com/office/drawing/2014/main" id="{696FE847-EEA0-8A59-7E4B-56D2F997563E}"/>
+              </a:ext>
+            </a:extLst>
+          </p:cNvPr>
+          <p:cNvSpPr>
+            <a:spLocks noGrp="1"/>
+          </p:cNvSpPr>
+          <p:nvPr>
+            <p:ph type="ftr" sz="quarter" idx="11"/>
+          </p:nvPr>
+        </p:nvSpPr>
+        <p:spPr/>
+        <p:txBody>
+          <a:bodyPr/>
+          <a:lstStyle/>
+          <a:p>
+            <a:r>
+              <a:rPr lang="en-US" dirty="0"/>
+              <a:t>Presented by V Shalisri Kasturi</a:t>
+            </a:r>
+          </a:p>
+        </p:txBody>
+      </p:sp>
+    </p:spTree>
+    <p:extLst>
+      <p:ext uri="{BB962C8B-B14F-4D97-AF65-F5344CB8AC3E}">
+        <p14:creationId xmlns:p14="http://schemas.microsoft.com/office/powerpoint/2010/main" val="2421401937"/>
+      </p:ext>
+    </p:extLst>
+  </p:cSld>
+  <p:clrMapOvr>
+    <a:masterClrMapping/>
+  </p:clrMapOvr>
+</p:sld>
+</file>
+
+<file path=ppt/slides/slide14.xml><?xml version="1.0" encoding="utf-8"?>
+<p:sld xmlns:a="http://schemas.openxmlformats.org/drawingml/2006/main" xmlns:r="http://schemas.openxmlformats.org/officeDocument/2006/relationships" xmlns:p="http://schemas.openxmlformats.org/presentationml/2006/main">
+  <p:cSld>
+    <p:spTree>
+      <p:nvGrpSpPr>
+        <p:cNvPr id="1" name=""/>
+        <p:cNvGrpSpPr/>
+        <p:nvPr/>
+      </p:nvGrpSpPr>
+      <p:grpSpPr>
+        <a:xfrm>
+          <a:off x="0" y="0"/>
+          <a:ext cx="0" cy="0"/>
+          <a:chOff x="0" y="0"/>
+          <a:chExt cx="0" cy="0"/>
+        </a:xfrm>
+      </p:grpSpPr>
+      <p:sp>
+        <p:nvSpPr>
+          <p:cNvPr id="2" name="Title 1">
+            <a:extLst>
+              <a:ext uri="{FF2B5EF4-FFF2-40B4-BE49-F238E27FC236}">
                 <a16:creationId xmlns:a16="http://schemas.microsoft.com/office/drawing/2014/main" id="{9C28EC6F-9BA8-5C39-CA7C-0610EE7A9F8E}"/>
               </a:ext>
             </a:extLst>
@@ -5038,7 +5236,7 @@
           <a:p>
             <a:fld id="{6578B64A-3720-4BC1-8555-10C52EEEDC14}" type="datetime1">
               <a:rPr lang="en-US" smtClean="0"/>
-              <a:t>1/21/2025</a:t>
+              <a:t>1/22/2025</a:t>
             </a:fld>
             <a:endParaRPr lang="en-US" dirty="0"/>
           </a:p>
@@ -5166,7 +5364,7 @@
               </a:spcAft>
             </a:pPr>
             <a:r>
-              <a:rPr lang="en-US" b="0" i="0" u="none" strike="noStrike" dirty="0">
+              <a:rPr lang="en-US" sz="2400" b="0" i="0" u="none" strike="noStrike" dirty="0">
                 <a:solidFill>
                   <a:srgbClr val="000000"/>
                 </a:solidFill>
@@ -5174,7 +5372,7 @@
               </a:rPr>
               <a:t>This extended project will integrate AWS services into the ETL pipeline. Along with extracting, transforming, and loading data from CSV, JSON, and XML formats, we will:</a:t>
             </a:r>
-            <a:endParaRPr lang="en-US" b="0" dirty="0">
+            <a:endParaRPr lang="en-US" sz="2400" b="0" dirty="0">
               <a:effectLst/>
             </a:endParaRPr>
           </a:p>
@@ -5187,7 +5385,7 @@
               <a:buChar char="•"/>
             </a:pPr>
             <a:r>
-              <a:rPr lang="en-US" b="0" i="0" u="none" strike="noStrike" dirty="0">
+              <a:rPr lang="en-US" sz="2400" b="0" i="0" u="none" strike="noStrike" dirty="0">
                 <a:solidFill>
                   <a:srgbClr val="000000"/>
                 </a:solidFill>
@@ -5205,34 +5403,13 @@
               <a:buChar char="•"/>
             </a:pPr>
             <a:r>
-              <a:rPr lang="en-US" b="0" i="0" u="none" strike="noStrike" dirty="0">
+              <a:rPr lang="en-US" sz="2400" b="0" i="0" u="none" strike="noStrike" dirty="0">
                 <a:solidFill>
                   <a:srgbClr val="000000"/>
                 </a:solidFill>
                 <a:effectLst/>
               </a:rPr>
               <a:t>Use AWS RDS (Relational Database Service) to load transformed data for further use.</a:t>
-            </a:r>
-          </a:p>
-          <a:p>
-            <a:pPr rtl="0" fontAlgn="base">
-              <a:spcBef>
-                <a:spcPts val="1200"/>
-              </a:spcBef>
-              <a:spcAft>
-                <a:spcPts val="1200"/>
-              </a:spcAft>
-              <a:buFont typeface="Arial" panose="020B0604020202020204" pitchFamily="34" charset="0"/>
-              <a:buChar char="•"/>
-            </a:pPr>
-            <a:r>
-              <a:rPr lang="en-US" b="0" i="0" u="none" strike="noStrike" dirty="0">
-                <a:solidFill>
-                  <a:srgbClr val="000000"/>
-                </a:solidFill>
-                <a:effectLst/>
-              </a:rPr>
-              <a:t>Optionally use AWS Glue to automate parts of the ETL process, such as schema inference and transformation.</a:t>
             </a:r>
           </a:p>
         </p:txBody>
@@ -5260,7 +5437,7 @@
           <a:p>
             <a:fld id="{67DD3BBC-FB9E-4604-A534-AE70172A4D14}" type="datetime1">
               <a:rPr lang="en-US" smtClean="0"/>
-              <a:t>1/21/2025</a:t>
+              <a:t>1/22/2025</a:t>
             </a:fld>
             <a:endParaRPr lang="en-US" dirty="0"/>
           </a:p>
@@ -5375,7 +5552,7 @@
         <p:spPr/>
         <p:txBody>
           <a:bodyPr>
-            <a:normAutofit fontScale="92500" lnSpcReduction="10000"/>
+            <a:normAutofit fontScale="85000" lnSpcReduction="20000"/>
           </a:bodyPr>
           <a:lstStyle/>
           <a:p>
@@ -5400,6 +5577,12 @@
             <a:r>
               <a:rPr lang="en-IN" sz="2800" dirty="0"/>
               <a:t>AWS RDS</a:t>
+            </a:r>
+          </a:p>
+          <a:p>
+            <a:r>
+              <a:rPr lang="en-IN" sz="2800" dirty="0"/>
+              <a:t>MySQL Workbench</a:t>
             </a:r>
           </a:p>
           <a:p>
@@ -5439,7 +5622,7 @@
           <a:p>
             <a:fld id="{2559EEF5-543B-4436-9D86-74274394E98F}" type="datetime1">
               <a:rPr lang="en-US" smtClean="0"/>
-              <a:t>1/21/2025</a:t>
+              <a:t>1/22/2025</a:t>
             </a:fld>
             <a:endParaRPr lang="en-US" dirty="0"/>
           </a:p>
@@ -5616,7 +5799,7 @@
           <a:p>
             <a:r>
               <a:rPr lang="en-IN" dirty="0"/>
-              <a:t>Time</a:t>
+              <a:t>time</a:t>
             </a:r>
           </a:p>
           <a:p>
@@ -5651,7 +5834,7 @@
           <a:p>
             <a:fld id="{BED3D744-FF75-461D-8DD7-3EBBE2D718D4}" type="datetime1">
               <a:rPr lang="en-US" smtClean="0"/>
-              <a:t>1/21/2025</a:t>
+              <a:t>1/22/2025</a:t>
             </a:fld>
             <a:endParaRPr lang="en-US" dirty="0"/>
           </a:p>
@@ -5721,7 +5904,7 @@
           <p:cNvPr id="2" name="Title 1">
             <a:extLst>
               <a:ext uri="{FF2B5EF4-FFF2-40B4-BE49-F238E27FC236}">
-                <a16:creationId xmlns:a16="http://schemas.microsoft.com/office/drawing/2014/main" id="{9419A427-109C-3E77-B280-AC29F66E04D3}"/>
+                <a16:creationId xmlns:a16="http://schemas.microsoft.com/office/drawing/2014/main" id="{3E1B3CC3-5CF4-24E7-1D33-6F030DAAEA15}"/>
               </a:ext>
             </a:extLst>
           </p:cNvPr>
@@ -5743,7 +5926,7 @@
               <a:rPr lang="en-IN" sz="3600" dirty="0">
                 <a:latin typeface="Algerian" panose="04020705040A02060702" pitchFamily="82" charset="0"/>
               </a:rPr>
-              <a:t>S3 Bucket</a:t>
+              <a:t>AWS CONNECTION SETUP</a:t>
             </a:r>
           </a:p>
         </p:txBody>
@@ -5753,7 +5936,7 @@
           <p:cNvPr id="3" name="Content Placeholder 2">
             <a:extLst>
               <a:ext uri="{FF2B5EF4-FFF2-40B4-BE49-F238E27FC236}">
-                <a16:creationId xmlns:a16="http://schemas.microsoft.com/office/drawing/2014/main" id="{52463D11-2F13-573F-0DB8-63D9F960FA61}"/>
+                <a16:creationId xmlns:a16="http://schemas.microsoft.com/office/drawing/2014/main" id="{FB09F753-EC88-126A-426C-2161C2995306}"/>
               </a:ext>
             </a:extLst>
           </p:cNvPr>
@@ -5766,31 +5949,60 @@
         </p:nvSpPr>
         <p:spPr/>
         <p:txBody>
-          <a:bodyPr/>
-          <a:lstStyle/>
-          <a:p>
-            <a:r>
-              <a:rPr lang="en-IN" dirty="0"/>
-              <a:t>Check if the bucket name is already present in S3, else create a new one.</a:t>
-            </a:r>
-          </a:p>
-          <a:p>
-            <a:r>
-              <a:rPr lang="en-IN" dirty="0"/>
-              <a:t>Check if the folder already exists in the S3 bucket else, create a new one.</a:t>
-            </a:r>
-          </a:p>
-          <a:p>
-            <a:r>
-              <a:rPr lang="en-IN" dirty="0"/>
-              <a:t>Unzip all the files provided.</a:t>
-            </a:r>
-          </a:p>
-          <a:p>
-            <a:r>
-              <a:rPr lang="en-IN" dirty="0"/>
-              <a:t>Upload all the file to S3 bucket to the specified folder.</a:t>
-            </a:r>
+          <a:bodyPr>
+            <a:normAutofit/>
+          </a:bodyPr>
+          <a:lstStyle/>
+          <a:p>
+            <a:r>
+              <a:rPr lang="en-IN" sz="2400" dirty="0"/>
+              <a:t>Configure the AWS account by ‘</a:t>
+            </a:r>
+            <a:r>
+              <a:rPr lang="en-IN" sz="2400" dirty="0" err="1"/>
+              <a:t>aws</a:t>
+            </a:r>
+            <a:r>
+              <a:rPr lang="en-IN" sz="2400" dirty="0"/>
+              <a:t> configure’.</a:t>
+            </a:r>
+          </a:p>
+          <a:p>
+            <a:r>
+              <a:rPr lang="en-IN" sz="2400" dirty="0"/>
+              <a:t>Provide the :</a:t>
+            </a:r>
+          </a:p>
+          <a:p>
+            <a:pPr lvl="1"/>
+            <a:r>
+              <a:rPr lang="en-IN" sz="2400" dirty="0"/>
+              <a:t>Access key id</a:t>
+            </a:r>
+          </a:p>
+          <a:p>
+            <a:pPr lvl="1"/>
+            <a:r>
+              <a:rPr lang="en-IN" sz="2400" dirty="0"/>
+              <a:t>Secret Access key</a:t>
+            </a:r>
+          </a:p>
+          <a:p>
+            <a:pPr lvl="1"/>
+            <a:r>
+              <a:rPr lang="en-IN" sz="2400" dirty="0"/>
+              <a:t>Region</a:t>
+            </a:r>
+          </a:p>
+          <a:p>
+            <a:r>
+              <a:rPr lang="en-IN" sz="2400" dirty="0"/>
+              <a:t>Establish the connection with AWS using the boto3.client</a:t>
+            </a:r>
+          </a:p>
+          <a:p>
+            <a:pPr lvl="1"/>
+            <a:endParaRPr lang="en-IN" sz="2400" dirty="0"/>
           </a:p>
         </p:txBody>
       </p:sp>
@@ -5799,7 +6011,7 @@
           <p:cNvPr id="4" name="Date Placeholder 3">
             <a:extLst>
               <a:ext uri="{FF2B5EF4-FFF2-40B4-BE49-F238E27FC236}">
-                <a16:creationId xmlns:a16="http://schemas.microsoft.com/office/drawing/2014/main" id="{FC6EF7B7-DF93-6A74-4939-8A6699690A2F}"/>
+                <a16:creationId xmlns:a16="http://schemas.microsoft.com/office/drawing/2014/main" id="{16868238-A4C0-100F-BB81-0BE01B9DC4DA}"/>
               </a:ext>
             </a:extLst>
           </p:cNvPr>
@@ -5817,7 +6029,7 @@
           <a:p>
             <a:fld id="{BED3D744-FF75-461D-8DD7-3EBBE2D718D4}" type="datetime1">
               <a:rPr lang="en-US" smtClean="0"/>
-              <a:t>1/21/2025</a:t>
+              <a:t>1/22/2025</a:t>
             </a:fld>
             <a:endParaRPr lang="en-US" dirty="0"/>
           </a:p>
@@ -5828,7 +6040,7 @@
           <p:cNvPr id="5" name="Footer Placeholder 4">
             <a:extLst>
               <a:ext uri="{FF2B5EF4-FFF2-40B4-BE49-F238E27FC236}">
-                <a16:creationId xmlns:a16="http://schemas.microsoft.com/office/drawing/2014/main" id="{3643A715-5C3C-576B-1787-B04336E07227}"/>
+                <a16:creationId xmlns:a16="http://schemas.microsoft.com/office/drawing/2014/main" id="{A28836AD-B949-5B8B-2584-497B98FDA1CB}"/>
               </a:ext>
             </a:extLst>
           </p:cNvPr>
@@ -5855,7 +6067,7 @@
     </p:spTree>
     <p:extLst>
       <p:ext uri="{BB962C8B-B14F-4D97-AF65-F5344CB8AC3E}">
-        <p14:creationId xmlns:p14="http://schemas.microsoft.com/office/powerpoint/2010/main" val="4009946142"/>
+        <p14:creationId xmlns:p14="http://schemas.microsoft.com/office/powerpoint/2010/main" val="366963513"/>
       </p:ext>
     </p:extLst>
   </p:cSld>
@@ -5887,7 +6099,7 @@
           <p:cNvPr id="2" name="Title 1">
             <a:extLst>
               <a:ext uri="{FF2B5EF4-FFF2-40B4-BE49-F238E27FC236}">
-                <a16:creationId xmlns:a16="http://schemas.microsoft.com/office/drawing/2014/main" id="{E7A30426-9329-0EA1-56C4-1FFE40C23446}"/>
+                <a16:creationId xmlns:a16="http://schemas.microsoft.com/office/drawing/2014/main" id="{9419A427-109C-3E77-B280-AC29F66E04D3}"/>
               </a:ext>
             </a:extLst>
           </p:cNvPr>
@@ -5898,12 +6110,7 @@
             <p:ph type="title"/>
           </p:nvPr>
         </p:nvSpPr>
-        <p:spPr>
-          <a:xfrm>
-            <a:off x="1451579" y="804520"/>
-            <a:ext cx="9603275" cy="925958"/>
-          </a:xfrm>
-        </p:spPr>
+        <p:spPr/>
         <p:txBody>
           <a:bodyPr>
             <a:normAutofit/>
@@ -5914,7 +6121,7 @@
               <a:rPr lang="en-IN" sz="3600" dirty="0">
                 <a:latin typeface="Algerian" panose="04020705040A02060702" pitchFamily="82" charset="0"/>
               </a:rPr>
-              <a:t>Extraction</a:t>
+              <a:t>AWS S3 Bucket</a:t>
             </a:r>
           </a:p>
         </p:txBody>
@@ -5924,7 +6131,7 @@
           <p:cNvPr id="3" name="Content Placeholder 2">
             <a:extLst>
               <a:ext uri="{FF2B5EF4-FFF2-40B4-BE49-F238E27FC236}">
-                <a16:creationId xmlns:a16="http://schemas.microsoft.com/office/drawing/2014/main" id="{71AF82E7-14B8-6C06-6EF5-05FD1A7C6D47}"/>
+                <a16:creationId xmlns:a16="http://schemas.microsoft.com/office/drawing/2014/main" id="{52463D11-2F13-573F-0DB8-63D9F960FA61}"/>
               </a:ext>
             </a:extLst>
           </p:cNvPr>
@@ -5938,101 +6145,32 @@
         <p:spPr/>
         <p:txBody>
           <a:bodyPr>
-            <a:normAutofit lnSpcReduction="10000"/>
+            <a:normAutofit/>
           </a:bodyPr>
           <a:lstStyle/>
           <a:p>
             <a:r>
-              <a:rPr lang="en-IN" dirty="0"/>
-              <a:t>Extract all the files from S3 bucket folder.</a:t>
-            </a:r>
-          </a:p>
-          <a:p>
-            <a:r>
-              <a:rPr lang="en-IN" dirty="0"/>
-              <a:t>Identify all the csv, </a:t>
-            </a:r>
-            <a:r>
-              <a:rPr lang="en-IN" dirty="0" err="1"/>
-              <a:t>json</a:t>
-            </a:r>
-            <a:r>
-              <a:rPr lang="en-IN" dirty="0"/>
-              <a:t> and xml files in the folder using the glob module.</a:t>
-            </a:r>
-          </a:p>
-          <a:p>
-            <a:r>
-              <a:rPr lang="en-IN" dirty="0"/>
-              <a:t>Read all the csv files using Pandas in loop and append it to the declared empty list </a:t>
-            </a:r>
-            <a:r>
-              <a:rPr lang="en-IN" dirty="0" err="1"/>
-              <a:t>df_list</a:t>
-            </a:r>
-            <a:r>
-              <a:rPr lang="en-IN" dirty="0"/>
-              <a:t>.</a:t>
-            </a:r>
-          </a:p>
-          <a:p>
-            <a:r>
-              <a:rPr lang="en-IN" dirty="0"/>
-              <a:t>Read all the </a:t>
-            </a:r>
-            <a:r>
-              <a:rPr lang="en-IN" dirty="0" err="1"/>
-              <a:t>json</a:t>
-            </a:r>
-            <a:r>
-              <a:rPr lang="en-IN" dirty="0"/>
-              <a:t> files using Pandas in loop and append it to the list </a:t>
-            </a:r>
-            <a:r>
-              <a:rPr lang="en-IN" dirty="0" err="1"/>
-              <a:t>df_list</a:t>
-            </a:r>
-            <a:r>
-              <a:rPr lang="en-IN" dirty="0"/>
-              <a:t>.</a:t>
-            </a:r>
-          </a:p>
-          <a:p>
-            <a:r>
-              <a:rPr lang="en-US" dirty="0"/>
-              <a:t>Read all the xml files using pandas in loop and append it to the list </a:t>
-            </a:r>
-            <a:r>
-              <a:rPr lang="en-US" dirty="0" err="1"/>
-              <a:t>df_list</a:t>
-            </a:r>
-            <a:r>
-              <a:rPr lang="en-US" dirty="0"/>
-              <a:t>.</a:t>
-            </a:r>
-          </a:p>
-          <a:p>
-            <a:pPr lvl="1"/>
-            <a:r>
-              <a:rPr lang="en-US" dirty="0"/>
-              <a:t>For parsing the xml, get all the values by using a for loop and append it to the empty data string declared.</a:t>
-            </a:r>
-          </a:p>
-          <a:p>
-            <a:r>
-              <a:rPr lang="en-US" dirty="0"/>
-              <a:t>Concatenate all the records to data frame.</a:t>
-            </a:r>
-          </a:p>
-          <a:p>
-            <a:pPr lvl="1"/>
-            <a:endParaRPr lang="en-IN" dirty="0"/>
-          </a:p>
-          <a:p>
-            <a:endParaRPr lang="en-IN" dirty="0"/>
-          </a:p>
-          <a:p>
-            <a:endParaRPr lang="en-IN" dirty="0"/>
+              <a:rPr lang="en-IN" sz="2400" dirty="0"/>
+              <a:t>Unzip all the source files provided and store in a local folder.</a:t>
+            </a:r>
+          </a:p>
+          <a:p>
+            <a:r>
+              <a:rPr lang="en-IN" sz="2400" dirty="0"/>
+              <a:t>Check if the bucket name is already present in S3, else create a new one.</a:t>
+            </a:r>
+          </a:p>
+          <a:p>
+            <a:r>
+              <a:rPr lang="en-IN" sz="2400" dirty="0"/>
+              <a:t>Check if the source folder to upload the source files already exists in the S3 bucket, else create a new one.</a:t>
+            </a:r>
+          </a:p>
+          <a:p>
+            <a:r>
+              <a:rPr lang="en-IN" sz="2400" dirty="0"/>
+              <a:t>Upload all the files to S3 bucket to the source folder.</a:t>
+            </a:r>
           </a:p>
         </p:txBody>
       </p:sp>
@@ -6041,7 +6179,7 @@
           <p:cNvPr id="4" name="Date Placeholder 3">
             <a:extLst>
               <a:ext uri="{FF2B5EF4-FFF2-40B4-BE49-F238E27FC236}">
-                <a16:creationId xmlns:a16="http://schemas.microsoft.com/office/drawing/2014/main" id="{D9CBE5BC-0B48-DB3A-C6EB-F75E666D13C5}"/>
+                <a16:creationId xmlns:a16="http://schemas.microsoft.com/office/drawing/2014/main" id="{FC6EF7B7-DF93-6A74-4939-8A6699690A2F}"/>
               </a:ext>
             </a:extLst>
           </p:cNvPr>
@@ -6057,9 +6195,9 @@
           <a:bodyPr/>
           <a:lstStyle/>
           <a:p>
-            <a:fld id="{AAC3404D-87D0-470C-ADC9-A1FC8097FE77}" type="datetime1">
+            <a:fld id="{BED3D744-FF75-461D-8DD7-3EBBE2D718D4}" type="datetime1">
               <a:rPr lang="en-US" smtClean="0"/>
-              <a:t>1/21/2025</a:t>
+              <a:t>1/22/2025</a:t>
             </a:fld>
             <a:endParaRPr lang="en-US" dirty="0"/>
           </a:p>
@@ -6070,7 +6208,7 @@
           <p:cNvPr id="5" name="Footer Placeholder 4">
             <a:extLst>
               <a:ext uri="{FF2B5EF4-FFF2-40B4-BE49-F238E27FC236}">
-                <a16:creationId xmlns:a16="http://schemas.microsoft.com/office/drawing/2014/main" id="{12066968-2E77-8839-DA5C-C349A1FE4252}"/>
+                <a16:creationId xmlns:a16="http://schemas.microsoft.com/office/drawing/2014/main" id="{3643A715-5C3C-576B-1787-B04336E07227}"/>
               </a:ext>
             </a:extLst>
           </p:cNvPr>
@@ -6087,16 +6225,17 @@
           <a:lstStyle/>
           <a:p>
             <a:r>
-              <a:rPr lang="en-US" dirty="0"/>
+              <a:rPr lang="en-US"/>
               <a:t>Presented by V Shalisri Kasturi</a:t>
             </a:r>
+            <a:endParaRPr lang="en-US" dirty="0"/>
           </a:p>
         </p:txBody>
       </p:sp>
     </p:spTree>
     <p:extLst>
       <p:ext uri="{BB962C8B-B14F-4D97-AF65-F5344CB8AC3E}">
-        <p14:creationId xmlns:p14="http://schemas.microsoft.com/office/powerpoint/2010/main" val="4283016160"/>
+        <p14:creationId xmlns:p14="http://schemas.microsoft.com/office/powerpoint/2010/main" val="4009946142"/>
       </p:ext>
     </p:extLst>
   </p:cSld>
@@ -6128,7 +6267,7 @@
           <p:cNvPr id="2" name="Title 1">
             <a:extLst>
               <a:ext uri="{FF2B5EF4-FFF2-40B4-BE49-F238E27FC236}">
-                <a16:creationId xmlns:a16="http://schemas.microsoft.com/office/drawing/2014/main" id="{C9AE9ACA-03B7-DF32-4BAD-DB4004981169}"/>
+                <a16:creationId xmlns:a16="http://schemas.microsoft.com/office/drawing/2014/main" id="{E7A30426-9329-0EA1-56C4-1FFE40C23446}"/>
               </a:ext>
             </a:extLst>
           </p:cNvPr>
@@ -6139,16 +6278,23 @@
             <p:ph type="title"/>
           </p:nvPr>
         </p:nvSpPr>
-        <p:spPr/>
-        <p:txBody>
-          <a:bodyPr/>
-          <a:lstStyle/>
-          <a:p>
-            <a:r>
-              <a:rPr lang="en-IN" dirty="0">
+        <p:spPr>
+          <a:xfrm>
+            <a:off x="1451579" y="804520"/>
+            <a:ext cx="9603275" cy="925958"/>
+          </a:xfrm>
+        </p:spPr>
+        <p:txBody>
+          <a:bodyPr>
+            <a:normAutofit/>
+          </a:bodyPr>
+          <a:lstStyle/>
+          <a:p>
+            <a:r>
+              <a:rPr lang="en-IN" sz="3600" dirty="0">
                 <a:latin typeface="Algerian" panose="04020705040A02060702" pitchFamily="82" charset="0"/>
               </a:rPr>
-              <a:t>Transformation</a:t>
+              <a:t>Extraction</a:t>
             </a:r>
           </a:p>
         </p:txBody>
@@ -6158,7 +6304,7 @@
           <p:cNvPr id="3" name="Content Placeholder 2">
             <a:extLst>
               <a:ext uri="{FF2B5EF4-FFF2-40B4-BE49-F238E27FC236}">
-                <a16:creationId xmlns:a16="http://schemas.microsoft.com/office/drawing/2014/main" id="{A114E66C-665D-98ED-C0C4-6F8742BB435A}"/>
+                <a16:creationId xmlns:a16="http://schemas.microsoft.com/office/drawing/2014/main" id="{71AF82E7-14B8-6C06-6EF5-05FD1A7C6D47}"/>
               </a:ext>
             </a:extLst>
           </p:cNvPr>
@@ -6169,49 +6315,114 @@
             <p:ph idx="1"/>
           </p:nvPr>
         </p:nvSpPr>
-        <p:spPr/>
-        <p:txBody>
-          <a:bodyPr/>
-          <a:lstStyle/>
+        <p:spPr>
+          <a:xfrm>
+            <a:off x="1451579" y="2015732"/>
+            <a:ext cx="9603275" cy="4158926"/>
+          </a:xfrm>
+        </p:spPr>
+        <p:txBody>
+          <a:bodyPr>
+            <a:normAutofit fontScale="92500" lnSpcReduction="10000"/>
+          </a:bodyPr>
+          <a:lstStyle/>
+          <a:p>
+            <a:r>
+              <a:rPr lang="en-IN" dirty="0"/>
+              <a:t>Check if there is a process folder for downloading the files from S3 for performing the ETL, else create a new one</a:t>
+            </a:r>
+          </a:p>
+          <a:p>
+            <a:r>
+              <a:rPr lang="en-IN" dirty="0"/>
+              <a:t>Download all the source files from S3 source folder to the local process folder.</a:t>
+            </a:r>
+          </a:p>
+          <a:p>
+            <a:r>
+              <a:rPr lang="en-IN" dirty="0"/>
+              <a:t>Identify all the csv, </a:t>
+            </a:r>
+            <a:r>
+              <a:rPr lang="en-IN" dirty="0" err="1"/>
+              <a:t>json</a:t>
+            </a:r>
+            <a:r>
+              <a:rPr lang="en-IN" dirty="0"/>
+              <a:t> and xml files in the folder using the glob module.</a:t>
+            </a:r>
+          </a:p>
+          <a:p>
+            <a:r>
+              <a:rPr lang="en-IN" dirty="0"/>
+              <a:t>Read all the csv files using Pandas in loop and append it to the declared empty list </a:t>
+            </a:r>
+            <a:r>
+              <a:rPr lang="en-IN" dirty="0" err="1"/>
+              <a:t>df_list</a:t>
+            </a:r>
+            <a:r>
+              <a:rPr lang="en-IN" dirty="0"/>
+              <a:t>.</a:t>
+            </a:r>
+          </a:p>
+          <a:p>
+            <a:r>
+              <a:rPr lang="en-IN" dirty="0"/>
+              <a:t>Read all the </a:t>
+            </a:r>
+            <a:r>
+              <a:rPr lang="en-IN" dirty="0" err="1"/>
+              <a:t>json</a:t>
+            </a:r>
+            <a:r>
+              <a:rPr lang="en-IN" dirty="0"/>
+              <a:t> files using Pandas in loop and append it to the list </a:t>
+            </a:r>
+            <a:r>
+              <a:rPr lang="en-IN" dirty="0" err="1"/>
+              <a:t>df_list</a:t>
+            </a:r>
+            <a:r>
+              <a:rPr lang="en-IN" dirty="0"/>
+              <a:t>.</a:t>
+            </a:r>
+          </a:p>
           <a:p>
             <a:r>
               <a:rPr lang="en-US" dirty="0"/>
-              <a:t>Convert the height and weight to numeric data type using “</a:t>
+              <a:t>Read all the xml files using pandas in loop and append it to the list </a:t>
             </a:r>
             <a:r>
               <a:rPr lang="en-US" dirty="0" err="1"/>
-              <a:t>pd.to_numeric</a:t>
+              <a:t>df_list</a:t>
             </a:r>
             <a:r>
               <a:rPr lang="en-US" dirty="0"/>
-              <a:t>”.</a:t>
-            </a:r>
-          </a:p>
-          <a:p>
+              <a:t>.</a:t>
+            </a:r>
+          </a:p>
+          <a:p>
+            <a:pPr lvl="1"/>
             <a:r>
               <a:rPr lang="en-US" dirty="0"/>
-              <a:t>Convert the height from inches to meters.</a:t>
+              <a:t>For parsing the xml, get all the values by using a for loop and append it to the empty data string declared.</a:t>
+            </a:r>
+          </a:p>
+          <a:p>
+            <a:r>
+              <a:rPr lang="en-US" dirty="0"/>
+              <a:t>Concatenate all the records to data frame.</a:t>
             </a:r>
           </a:p>
           <a:p>
             <a:pPr lvl="1"/>
-            <a:r>
-              <a:rPr lang="en-US" dirty="0"/>
-              <a:t>Height in meters = Height in inches * 0.0254</a:t>
-            </a:r>
-          </a:p>
-          <a:p>
-            <a:r>
-              <a:rPr lang="en-US" dirty="0"/>
-              <a:t>Convert the weight from pounds to kilograms.</a:t>
-            </a:r>
-          </a:p>
-          <a:p>
-            <a:pPr lvl="1"/>
-            <a:r>
-              <a:rPr lang="en-US" dirty="0"/>
-              <a:t>Weight in kilograms = Weight in pounds * 0.45359237</a:t>
-            </a:r>
+            <a:endParaRPr lang="en-IN" dirty="0"/>
+          </a:p>
+          <a:p>
+            <a:endParaRPr lang="en-IN" dirty="0"/>
+          </a:p>
+          <a:p>
             <a:endParaRPr lang="en-IN" dirty="0"/>
           </a:p>
         </p:txBody>
@@ -6221,7 +6432,7 @@
           <p:cNvPr id="4" name="Date Placeholder 3">
             <a:extLst>
               <a:ext uri="{FF2B5EF4-FFF2-40B4-BE49-F238E27FC236}">
-                <a16:creationId xmlns:a16="http://schemas.microsoft.com/office/drawing/2014/main" id="{D45630C9-43F4-12E6-CB1B-F5EE41257636}"/>
+                <a16:creationId xmlns:a16="http://schemas.microsoft.com/office/drawing/2014/main" id="{D9CBE5BC-0B48-DB3A-C6EB-F75E666D13C5}"/>
               </a:ext>
             </a:extLst>
           </p:cNvPr>
@@ -6237,9 +6448,9 @@
           <a:bodyPr/>
           <a:lstStyle/>
           <a:p>
-            <a:fld id="{31F81D6D-56CC-4CB3-AD98-95045C0B1A4A}" type="datetime1">
+            <a:fld id="{AAC3404D-87D0-470C-ADC9-A1FC8097FE77}" type="datetime1">
               <a:rPr lang="en-US" smtClean="0"/>
-              <a:t>1/21/2025</a:t>
+              <a:t>1/22/2025</a:t>
             </a:fld>
             <a:endParaRPr lang="en-US" dirty="0"/>
           </a:p>
@@ -6250,7 +6461,7 @@
           <p:cNvPr id="5" name="Footer Placeholder 4">
             <a:extLst>
               <a:ext uri="{FF2B5EF4-FFF2-40B4-BE49-F238E27FC236}">
-                <a16:creationId xmlns:a16="http://schemas.microsoft.com/office/drawing/2014/main" id="{3D4B2070-7233-F6B3-AEB5-68D74A73A8FD}"/>
+                <a16:creationId xmlns:a16="http://schemas.microsoft.com/office/drawing/2014/main" id="{12066968-2E77-8839-DA5C-C349A1FE4252}"/>
               </a:ext>
             </a:extLst>
           </p:cNvPr>
@@ -6276,7 +6487,7 @@
     </p:spTree>
     <p:extLst>
       <p:ext uri="{BB962C8B-B14F-4D97-AF65-F5344CB8AC3E}">
-        <p14:creationId xmlns:p14="http://schemas.microsoft.com/office/powerpoint/2010/main" val="446229447"/>
+        <p14:creationId xmlns:p14="http://schemas.microsoft.com/office/powerpoint/2010/main" val="4283016160"/>
       </p:ext>
     </p:extLst>
   </p:cSld>
@@ -6308,7 +6519,7 @@
           <p:cNvPr id="2" name="Title 1">
             <a:extLst>
               <a:ext uri="{FF2B5EF4-FFF2-40B4-BE49-F238E27FC236}">
-                <a16:creationId xmlns:a16="http://schemas.microsoft.com/office/drawing/2014/main" id="{F95995AB-B6A6-CA47-1690-2DB4072F2505}"/>
+                <a16:creationId xmlns:a16="http://schemas.microsoft.com/office/drawing/2014/main" id="{C9AE9ACA-03B7-DF32-4BAD-DB4004981169}"/>
               </a:ext>
             </a:extLst>
           </p:cNvPr>
@@ -6328,7 +6539,7 @@
               <a:rPr lang="en-IN" dirty="0">
                 <a:latin typeface="Algerian" panose="04020705040A02060702" pitchFamily="82" charset="0"/>
               </a:rPr>
-              <a:t>Loading</a:t>
+              <a:t>Transformation</a:t>
             </a:r>
           </a:p>
         </p:txBody>
@@ -6338,7 +6549,7 @@
           <p:cNvPr id="3" name="Content Placeholder 2">
             <a:extLst>
               <a:ext uri="{FF2B5EF4-FFF2-40B4-BE49-F238E27FC236}">
-                <a16:creationId xmlns:a16="http://schemas.microsoft.com/office/drawing/2014/main" id="{AB7DEF7F-59FC-F3F0-E5E4-1223B767534D}"/>
+                <a16:creationId xmlns:a16="http://schemas.microsoft.com/office/drawing/2014/main" id="{A114E66C-665D-98ED-C0C4-6F8742BB435A}"/>
               </a:ext>
             </a:extLst>
           </p:cNvPr>
@@ -6356,19 +6567,42 @@
           <a:p>
             <a:r>
               <a:rPr lang="en-US" dirty="0"/>
-              <a:t>Create a csv file (transformed_data.csv) of the transformed data using “</a:t>
+              <a:t>Convert the height and weight to numeric data type using “</a:t>
             </a:r>
             <a:r>
               <a:rPr lang="en-US" dirty="0" err="1"/>
-              <a:t>to_csv</a:t>
+              <a:t>pd.to_numeric</a:t>
             </a:r>
             <a:r>
               <a:rPr lang="en-US" dirty="0"/>
               <a:t>”.</a:t>
             </a:r>
-            <a:endParaRPr lang="en-IN" dirty="0"/>
-          </a:p>
-          <a:p>
+          </a:p>
+          <a:p>
+            <a:r>
+              <a:rPr lang="en-US" dirty="0"/>
+              <a:t>Convert the height from inches to meters.</a:t>
+            </a:r>
+          </a:p>
+          <a:p>
+            <a:pPr lvl="1"/>
+            <a:r>
+              <a:rPr lang="en-US" dirty="0"/>
+              <a:t>Height in meters = Height in inches * 0.0254</a:t>
+            </a:r>
+          </a:p>
+          <a:p>
+            <a:r>
+              <a:rPr lang="en-US" dirty="0"/>
+              <a:t>Convert the weight from pounds to kilograms.</a:t>
+            </a:r>
+          </a:p>
+          <a:p>
+            <a:pPr lvl="1"/>
+            <a:r>
+              <a:rPr lang="en-US" dirty="0"/>
+              <a:t>Weight in kilograms = Weight in pounds * 0.45359237</a:t>
+            </a:r>
             <a:endParaRPr lang="en-IN" dirty="0"/>
           </a:p>
         </p:txBody>
@@ -6378,7 +6612,7 @@
           <p:cNvPr id="4" name="Date Placeholder 3">
             <a:extLst>
               <a:ext uri="{FF2B5EF4-FFF2-40B4-BE49-F238E27FC236}">
-                <a16:creationId xmlns:a16="http://schemas.microsoft.com/office/drawing/2014/main" id="{8E35342A-1AB2-053A-FA16-DC8C76FA68B2}"/>
+                <a16:creationId xmlns:a16="http://schemas.microsoft.com/office/drawing/2014/main" id="{D45630C9-43F4-12E6-CB1B-F5EE41257636}"/>
               </a:ext>
             </a:extLst>
           </p:cNvPr>
@@ -6394,9 +6628,9 @@
           <a:bodyPr/>
           <a:lstStyle/>
           <a:p>
-            <a:fld id="{2F99B2C6-E379-43F5-A4D6-288B394E99C7}" type="datetime1">
+            <a:fld id="{31F81D6D-56CC-4CB3-AD98-95045C0B1A4A}" type="datetime1">
               <a:rPr lang="en-US" smtClean="0"/>
-              <a:t>1/21/2025</a:t>
+              <a:t>1/22/2025</a:t>
             </a:fld>
             <a:endParaRPr lang="en-US" dirty="0"/>
           </a:p>
@@ -6407,7 +6641,7 @@
           <p:cNvPr id="5" name="Footer Placeholder 4">
             <a:extLst>
               <a:ext uri="{FF2B5EF4-FFF2-40B4-BE49-F238E27FC236}">
-                <a16:creationId xmlns:a16="http://schemas.microsoft.com/office/drawing/2014/main" id="{3F33AAFD-28B6-3685-DCC7-7404B02EBF03}"/>
+                <a16:creationId xmlns:a16="http://schemas.microsoft.com/office/drawing/2014/main" id="{3D4B2070-7233-F6B3-AEB5-68D74A73A8FD}"/>
               </a:ext>
             </a:extLst>
           </p:cNvPr>
@@ -6433,7 +6667,7 @@
     </p:spTree>
     <p:extLst>
       <p:ext uri="{BB962C8B-B14F-4D97-AF65-F5344CB8AC3E}">
-        <p14:creationId xmlns:p14="http://schemas.microsoft.com/office/powerpoint/2010/main" val="1214735057"/>
+        <p14:creationId xmlns:p14="http://schemas.microsoft.com/office/powerpoint/2010/main" val="446229447"/>
       </p:ext>
     </p:extLst>
   </p:cSld>
@@ -6465,7 +6699,7 @@
           <p:cNvPr id="2" name="Title 1">
             <a:extLst>
               <a:ext uri="{FF2B5EF4-FFF2-40B4-BE49-F238E27FC236}">
-                <a16:creationId xmlns:a16="http://schemas.microsoft.com/office/drawing/2014/main" id="{8DCB8B84-4A02-36F0-CFB9-8C9E9F6FD749}"/>
+                <a16:creationId xmlns:a16="http://schemas.microsoft.com/office/drawing/2014/main" id="{F95995AB-B6A6-CA47-1690-2DB4072F2505}"/>
               </a:ext>
             </a:extLst>
           </p:cNvPr>
@@ -6478,16 +6712,14 @@
         </p:nvSpPr>
         <p:spPr/>
         <p:txBody>
-          <a:bodyPr>
-            <a:normAutofit/>
-          </a:bodyPr>
-          <a:lstStyle/>
-          <a:p>
-            <a:r>
-              <a:rPr lang="en-IN" sz="3600" dirty="0">
+          <a:bodyPr/>
+          <a:lstStyle/>
+          <a:p>
+            <a:r>
+              <a:rPr lang="en-IN" dirty="0">
                 <a:latin typeface="Algerian" panose="04020705040A02060702" pitchFamily="82" charset="0"/>
               </a:rPr>
-              <a:t>UPLOAD TRANFORMED FILE TO S3</a:t>
+              <a:t>Loading</a:t>
             </a:r>
           </a:p>
         </p:txBody>
@@ -6497,7 +6729,7 @@
           <p:cNvPr id="3" name="Content Placeholder 2">
             <a:extLst>
               <a:ext uri="{FF2B5EF4-FFF2-40B4-BE49-F238E27FC236}">
-                <a16:creationId xmlns:a16="http://schemas.microsoft.com/office/drawing/2014/main" id="{F9D69F2A-A3AF-D520-A350-47A9992DF464}"/>
+                <a16:creationId xmlns:a16="http://schemas.microsoft.com/office/drawing/2014/main" id="{AB7DEF7F-59FC-F3F0-E5E4-1223B767534D}"/>
               </a:ext>
             </a:extLst>
           </p:cNvPr>
@@ -6514,15 +6746,21 @@
           <a:lstStyle/>
           <a:p>
             <a:r>
-              <a:rPr lang="en-IN" dirty="0"/>
-              <a:t>Check whether the transformed file folder is present in the S3 bucket, else create a new one.</a:t>
-            </a:r>
-          </a:p>
-          <a:p>
-            <a:r>
-              <a:rPr lang="en-IN" dirty="0"/>
-              <a:t>Upload the transformed file to the folder.</a:t>
-            </a:r>
+              <a:rPr lang="en-US" dirty="0"/>
+              <a:t>Create a csv file (transformed_data.csv) of the transformed data using “</a:t>
+            </a:r>
+            <a:r>
+              <a:rPr lang="en-US" dirty="0" err="1"/>
+              <a:t>to_csv</a:t>
+            </a:r>
+            <a:r>
+              <a:rPr lang="en-US" dirty="0"/>
+              <a:t>”.</a:t>
+            </a:r>
+            <a:endParaRPr lang="en-IN" dirty="0"/>
+          </a:p>
+          <a:p>
+            <a:endParaRPr lang="en-IN" dirty="0"/>
           </a:p>
         </p:txBody>
       </p:sp>
@@ -6531,7 +6769,7 @@
           <p:cNvPr id="4" name="Date Placeholder 3">
             <a:extLst>
               <a:ext uri="{FF2B5EF4-FFF2-40B4-BE49-F238E27FC236}">
-                <a16:creationId xmlns:a16="http://schemas.microsoft.com/office/drawing/2014/main" id="{B4C8D4FC-8670-58E1-74A9-7024100DE7CD}"/>
+                <a16:creationId xmlns:a16="http://schemas.microsoft.com/office/drawing/2014/main" id="{8E35342A-1AB2-053A-FA16-DC8C76FA68B2}"/>
               </a:ext>
             </a:extLst>
           </p:cNvPr>
@@ -6547,9 +6785,9 @@
           <a:bodyPr/>
           <a:lstStyle/>
           <a:p>
-            <a:fld id="{BED3D744-FF75-461D-8DD7-3EBBE2D718D4}" type="datetime1">
+            <a:fld id="{2F99B2C6-E379-43F5-A4D6-288B394E99C7}" type="datetime1">
               <a:rPr lang="en-US" smtClean="0"/>
-              <a:t>1/21/2025</a:t>
+              <a:t>1/22/2025</a:t>
             </a:fld>
             <a:endParaRPr lang="en-US" dirty="0"/>
           </a:p>
@@ -6560,7 +6798,7 @@
           <p:cNvPr id="5" name="Footer Placeholder 4">
             <a:extLst>
               <a:ext uri="{FF2B5EF4-FFF2-40B4-BE49-F238E27FC236}">
-                <a16:creationId xmlns:a16="http://schemas.microsoft.com/office/drawing/2014/main" id="{CACC6941-5329-6E5E-5C64-CAB99EEEB2C6}"/>
+                <a16:creationId xmlns:a16="http://schemas.microsoft.com/office/drawing/2014/main" id="{3F33AAFD-28B6-3685-DCC7-7404B02EBF03}"/>
               </a:ext>
             </a:extLst>
           </p:cNvPr>
@@ -6577,17 +6815,16 @@
           <a:lstStyle/>
           <a:p>
             <a:r>
-              <a:rPr lang="en-US"/>
+              <a:rPr lang="en-US" dirty="0"/>
               <a:t>Presented by V Shalisri Kasturi</a:t>
             </a:r>
-            <a:endParaRPr lang="en-US" dirty="0"/>
           </a:p>
         </p:txBody>
       </p:sp>
     </p:spTree>
     <p:extLst>
       <p:ext uri="{BB962C8B-B14F-4D97-AF65-F5344CB8AC3E}">
-        <p14:creationId xmlns:p14="http://schemas.microsoft.com/office/powerpoint/2010/main" val="188448548"/>
+        <p14:creationId xmlns:p14="http://schemas.microsoft.com/office/powerpoint/2010/main" val="1214735057"/>
       </p:ext>
     </p:extLst>
   </p:cSld>
